--- a/test/pptx_automation/[Auto]재물조사라벨.pptx
+++ b/test/pptx_automation/[Auto]재물조사라벨.pptx
@@ -3532,20 +3532,8 @@
           <a:lstStyle/>
           <a:p>
             <a:r>
-              <a:rPr lang="en-US" altLang="ko-KR" sz="4400" dirty="0">
-                <a:solidFill>
-                  <a:schemeClr val="tx1"/>
-                </a:solidFill>
-              </a:rPr>
-              <a:t>24</a:t>
-            </a:r>
-            <a:r>
-              <a:rPr lang="ko-KR" altLang="en-US" sz="4400" dirty="0">
-                <a:solidFill>
-                  <a:schemeClr val="tx1"/>
-                </a:solidFill>
-              </a:rPr>
-              <a:t>인치 모니터</a:t>
+              <a:rPr sz="4400"/>
+              <a:t>모니터1</a:t>
             </a:r>
           </a:p>
         </p:txBody>
@@ -4101,20 +4089,8 @@
           <a:lstStyle/>
           <a:p>
             <a:r>
-              <a:rPr lang="en-US" altLang="ko-KR" sz="4400" dirty="0">
-                <a:solidFill>
-                  <a:schemeClr val="tx1"/>
-                </a:solidFill>
-              </a:rPr>
-              <a:t>24</a:t>
-            </a:r>
-            <a:r>
-              <a:rPr lang="ko-KR" altLang="en-US" sz="4400" dirty="0">
-                <a:solidFill>
-                  <a:schemeClr val="tx1"/>
-                </a:solidFill>
-              </a:rPr>
-              <a:t>인치 모니터</a:t>
+              <a:rPr sz="4400"/>
+              <a:t>모니터2</a:t>
             </a:r>
           </a:p>
         </p:txBody>
@@ -6435,7 +6411,21 @@
       </a:bgFillStyleLst>
     </a:fmtScheme>
   </a:themeElements>
-  <a:objectDefaults/>
+  <a:objectDefaults>
+    <a:txDef>
+      <a:spPr>
+        <a:noFill/>
+      </a:spPr>
+      <a:bodyPr wrap="square" rtlCol="0">
+        <a:spAutoFit/>
+      </a:bodyPr>
+      <a:lstStyle>
+        <a:defPPr algn="l">
+          <a:defRPr sz="4400" dirty="0"/>
+        </a:defPPr>
+      </a:lstStyle>
+    </a:txDef>
+  </a:objectDefaults>
   <a:extraClrSchemeLst/>
   <a:extLst>
     <a:ext uri="{05A4C25C-085E-4340-85A3-A5531E510DB2}">

--- a/test/pptx_automation/[Auto]재물조사라벨.pptx
+++ b/test/pptx_automation/[Auto]재물조사라벨.pptx
@@ -3500,7 +3500,7 @@
       </p:sp>
       <p:sp>
         <p:nvSpPr>
-          <p:cNvPr id="14" name="TextBox 13">
+          <p:cNvPr id="14" name="product_name">
             <a:extLst>
               <a:ext uri="{FF2B5EF4-FFF2-40B4-BE49-F238E27FC236}">
                 <a16:creationId xmlns:a16="http://schemas.microsoft.com/office/drawing/2014/main" id="{E71F6882-8F67-494C-07B4-3ADA05411AAB}"/>
@@ -3540,7 +3540,7 @@
       </p:sp>
       <p:sp>
         <p:nvSpPr>
-          <p:cNvPr id="15" name="TextBox 14">
+          <p:cNvPr id="15" name="model_no">
             <a:extLst>
               <a:ext uri="{FF2B5EF4-FFF2-40B4-BE49-F238E27FC236}">
                 <a16:creationId xmlns:a16="http://schemas.microsoft.com/office/drawing/2014/main" id="{73451ED6-545B-BFB3-ED91-1A72437987E8}"/>
@@ -3775,7 +3775,7 @@
       </p:sp>
       <p:sp>
         <p:nvSpPr>
-          <p:cNvPr id="14" name="TextBox 13">
+          <p:cNvPr id="14" name="product_name">
             <a:extLst>
               <a:ext uri="{FF2B5EF4-FFF2-40B4-BE49-F238E27FC236}">
                 <a16:creationId xmlns:a16="http://schemas.microsoft.com/office/drawing/2014/main" id="{E71F6882-8F67-494C-07B4-3ADA05411AAB}"/>
@@ -3827,7 +3827,7 @@
       </p:sp>
       <p:sp>
         <p:nvSpPr>
-          <p:cNvPr id="15" name="TextBox 14">
+          <p:cNvPr id="15" name="model_no">
             <a:extLst>
               <a:ext uri="{FF2B5EF4-FFF2-40B4-BE49-F238E27FC236}">
                 <a16:creationId xmlns:a16="http://schemas.microsoft.com/office/drawing/2014/main" id="{73451ED6-545B-BFB3-ED91-1A72437987E8}"/>
@@ -4057,7 +4057,7 @@
       </p:sp>
       <p:sp>
         <p:nvSpPr>
-          <p:cNvPr id="14" name="TextBox 13">
+          <p:cNvPr id="14" name="product_name">
             <a:extLst>
               <a:ext uri="{FF2B5EF4-FFF2-40B4-BE49-F238E27FC236}">
                 <a16:creationId xmlns:a16="http://schemas.microsoft.com/office/drawing/2014/main" id="{E71F6882-8F67-494C-07B4-3ADA05411AAB}"/>
@@ -4097,7 +4097,7 @@
       </p:sp>
       <p:sp>
         <p:nvSpPr>
-          <p:cNvPr id="15" name="TextBox 14">
+          <p:cNvPr id="15" name="model_no">
             <a:extLst>
               <a:ext uri="{FF2B5EF4-FFF2-40B4-BE49-F238E27FC236}">
                 <a16:creationId xmlns:a16="http://schemas.microsoft.com/office/drawing/2014/main" id="{73451ED6-545B-BFB3-ED91-1A72437987E8}"/>
@@ -4327,7 +4327,7 @@
       </p:sp>
       <p:sp>
         <p:nvSpPr>
-          <p:cNvPr id="14" name="TextBox 13">
+          <p:cNvPr id="14" name="product_name">
             <a:extLst>
               <a:ext uri="{FF2B5EF4-FFF2-40B4-BE49-F238E27FC236}">
                 <a16:creationId xmlns:a16="http://schemas.microsoft.com/office/drawing/2014/main" id="{E71F6882-8F67-494C-07B4-3ADA05411AAB}"/>
@@ -4379,7 +4379,7 @@
       </p:sp>
       <p:sp>
         <p:nvSpPr>
-          <p:cNvPr id="15" name="TextBox 14">
+          <p:cNvPr id="15" name="model_no">
             <a:extLst>
               <a:ext uri="{FF2B5EF4-FFF2-40B4-BE49-F238E27FC236}">
                 <a16:creationId xmlns:a16="http://schemas.microsoft.com/office/drawing/2014/main" id="{73451ED6-545B-BFB3-ED91-1A72437987E8}"/>
@@ -4609,7 +4609,7 @@
       </p:sp>
       <p:sp>
         <p:nvSpPr>
-          <p:cNvPr id="14" name="TextBox 13">
+          <p:cNvPr id="14" name="product_name">
             <a:extLst>
               <a:ext uri="{FF2B5EF4-FFF2-40B4-BE49-F238E27FC236}">
                 <a16:creationId xmlns:a16="http://schemas.microsoft.com/office/drawing/2014/main" id="{E71F6882-8F67-494C-07B4-3ADA05411AAB}"/>
@@ -4661,7 +4661,7 @@
       </p:sp>
       <p:sp>
         <p:nvSpPr>
-          <p:cNvPr id="15" name="TextBox 14">
+          <p:cNvPr id="15" name="model_no">
             <a:extLst>
               <a:ext uri="{FF2B5EF4-FFF2-40B4-BE49-F238E27FC236}">
                 <a16:creationId xmlns:a16="http://schemas.microsoft.com/office/drawing/2014/main" id="{73451ED6-545B-BFB3-ED91-1A72437987E8}"/>
@@ -4891,7 +4891,7 @@
       </p:sp>
       <p:sp>
         <p:nvSpPr>
-          <p:cNvPr id="14" name="TextBox 13">
+          <p:cNvPr id="14" name="product_name">
             <a:extLst>
               <a:ext uri="{FF2B5EF4-FFF2-40B4-BE49-F238E27FC236}">
                 <a16:creationId xmlns:a16="http://schemas.microsoft.com/office/drawing/2014/main" id="{E71F6882-8F67-494C-07B4-3ADA05411AAB}"/>
@@ -4943,7 +4943,7 @@
       </p:sp>
       <p:sp>
         <p:nvSpPr>
-          <p:cNvPr id="15" name="TextBox 14">
+          <p:cNvPr id="15" name="model_no">
             <a:extLst>
               <a:ext uri="{FF2B5EF4-FFF2-40B4-BE49-F238E27FC236}">
                 <a16:creationId xmlns:a16="http://schemas.microsoft.com/office/drawing/2014/main" id="{73451ED6-545B-BFB3-ED91-1A72437987E8}"/>
@@ -5173,7 +5173,7 @@
       </p:sp>
       <p:sp>
         <p:nvSpPr>
-          <p:cNvPr id="14" name="TextBox 13">
+          <p:cNvPr id="14" name="product_name">
             <a:extLst>
               <a:ext uri="{FF2B5EF4-FFF2-40B4-BE49-F238E27FC236}">
                 <a16:creationId xmlns:a16="http://schemas.microsoft.com/office/drawing/2014/main" id="{E71F6882-8F67-494C-07B4-3ADA05411AAB}"/>
@@ -5225,7 +5225,7 @@
       </p:sp>
       <p:sp>
         <p:nvSpPr>
-          <p:cNvPr id="15" name="TextBox 14">
+          <p:cNvPr id="15" name="model_no">
             <a:extLst>
               <a:ext uri="{FF2B5EF4-FFF2-40B4-BE49-F238E27FC236}">
                 <a16:creationId xmlns:a16="http://schemas.microsoft.com/office/drawing/2014/main" id="{73451ED6-545B-BFB3-ED91-1A72437987E8}"/>
@@ -5455,7 +5455,7 @@
       </p:sp>
       <p:sp>
         <p:nvSpPr>
-          <p:cNvPr id="14" name="TextBox 13">
+          <p:cNvPr id="14" name="product_name">
             <a:extLst>
               <a:ext uri="{FF2B5EF4-FFF2-40B4-BE49-F238E27FC236}">
                 <a16:creationId xmlns:a16="http://schemas.microsoft.com/office/drawing/2014/main" id="{E71F6882-8F67-494C-07B4-3ADA05411AAB}"/>
@@ -5507,7 +5507,7 @@
       </p:sp>
       <p:sp>
         <p:nvSpPr>
-          <p:cNvPr id="15" name="TextBox 14">
+          <p:cNvPr id="15" name="model_no">
             <a:extLst>
               <a:ext uri="{FF2B5EF4-FFF2-40B4-BE49-F238E27FC236}">
                 <a16:creationId xmlns:a16="http://schemas.microsoft.com/office/drawing/2014/main" id="{73451ED6-545B-BFB3-ED91-1A72437987E8}"/>
@@ -5737,7 +5737,7 @@
       </p:sp>
       <p:sp>
         <p:nvSpPr>
-          <p:cNvPr id="14" name="TextBox 13">
+          <p:cNvPr id="14" name="product_name">
             <a:extLst>
               <a:ext uri="{FF2B5EF4-FFF2-40B4-BE49-F238E27FC236}">
                 <a16:creationId xmlns:a16="http://schemas.microsoft.com/office/drawing/2014/main" id="{E71F6882-8F67-494C-07B4-3ADA05411AAB}"/>
@@ -5789,7 +5789,7 @@
       </p:sp>
       <p:sp>
         <p:nvSpPr>
-          <p:cNvPr id="15" name="TextBox 14">
+          <p:cNvPr id="15" name="model_no">
             <a:extLst>
               <a:ext uri="{FF2B5EF4-FFF2-40B4-BE49-F238E27FC236}">
                 <a16:creationId xmlns:a16="http://schemas.microsoft.com/office/drawing/2014/main" id="{73451ED6-545B-BFB3-ED91-1A72437987E8}"/>
@@ -6019,7 +6019,7 @@
       </p:sp>
       <p:sp>
         <p:nvSpPr>
-          <p:cNvPr id="14" name="TextBox 13">
+          <p:cNvPr id="14" name="product_name">
             <a:extLst>
               <a:ext uri="{FF2B5EF4-FFF2-40B4-BE49-F238E27FC236}">
                 <a16:creationId xmlns:a16="http://schemas.microsoft.com/office/drawing/2014/main" id="{E71F6882-8F67-494C-07B4-3ADA05411AAB}"/>
@@ -6071,7 +6071,7 @@
       </p:sp>
       <p:sp>
         <p:nvSpPr>
-          <p:cNvPr id="15" name="TextBox 14">
+          <p:cNvPr id="15" name="model_no">
             <a:extLst>
               <a:ext uri="{FF2B5EF4-FFF2-40B4-BE49-F238E27FC236}">
                 <a16:creationId xmlns:a16="http://schemas.microsoft.com/office/drawing/2014/main" id="{73451ED6-545B-BFB3-ED91-1A72437987E8}"/>
